--- a/NegativeCyberNews Poster.pptx
+++ b/NegativeCyberNews Poster.pptx
@@ -2997,14 +2997,14 @@
           <p:nvPr>
             <p:extLst>
               <p:ext uri="{D42A27DB-BD31-4B8C-83A1-F6EECF244321}">
-                <p14:modId xmlns:p14="http://schemas.microsoft.com/office/powerpoint/2010/main" val="880759069"/>
+                <p14:modId xmlns:p14="http://schemas.microsoft.com/office/powerpoint/2010/main" val="3193572577"/>
               </p:ext>
             </p:extLst>
           </p:nvPr>
         </p:nvGraphicFramePr>
         <p:xfrm>
           <a:off x="818147" y="4736584"/>
-          <a:ext cx="23335416" cy="3974279"/>
+          <a:ext cx="23335416" cy="4419600"/>
         </p:xfrm>
         <a:graphic>
           <a:graphicData uri="http://schemas.openxmlformats.org/drawingml/2006/table">
@@ -3074,7 +3074,7 @@
                           <a:effectLst/>
                           <a:latin typeface="+mn-lt"/>
                         </a:rPr>
-                        <a:t>Negative Cyber News</a:t>
+                        <a:t>                                    Negative Cyber News</a:t>
                       </a:r>
                     </a:p>
                     <a:p>
@@ -3090,7 +3090,7 @@
                           <a:latin typeface="+mn-lt"/>
                           <a:cs typeface="Arial" panose="020B0604020202020204" pitchFamily="34" charset="0"/>
                         </a:rPr>
-                        <a:t>Hosted by Roi Zimon</a:t>
+                        <a:t>                                                     Hosted by Roi Zimon</a:t>
                       </a:r>
                     </a:p>
                     <a:p>
@@ -3106,7 +3106,7 @@
                           <a:latin typeface="+mn-lt"/>
                           <a:cs typeface="Arial" panose="020B0604020202020204" pitchFamily="34" charset="0"/>
                         </a:rPr>
-                        <a:t>Niv Amos </a:t>
+                        <a:t>                                                      Niv Amos </a:t>
                       </a:r>
                       <a:r>
                         <a:rPr lang="en-US" sz="5200" dirty="0">
@@ -3141,6 +3141,11 @@
                         </a:rPr>
                         <a:t>), </a:t>
                       </a:r>
+                    </a:p>
+                    <a:p>
+                      <a:pPr algn="ctr">
+                        <a:defRPr/>
+                      </a:pPr>
                       <a:r>
                         <a:rPr lang="en-US" sz="5200" dirty="0">
                           <a:solidFill>
@@ -3150,7 +3155,7 @@
                           <a:latin typeface="+mn-lt"/>
                           <a:cs typeface="Arial" panose="020B0604020202020204" pitchFamily="34" charset="0"/>
                         </a:rPr>
-                        <a:t>Roy Aboudi (315976415), </a:t>
+                        <a:t>                                                      Roy Aboudi (315976415), </a:t>
                       </a:r>
                     </a:p>
                     <a:p>
@@ -3166,7 +3171,7 @@
                           <a:latin typeface="+mn-lt"/>
                           <a:cs typeface="Arial" panose="020B0604020202020204" pitchFamily="34" charset="0"/>
                         </a:rPr>
-                        <a:t>Matan Zofi (</a:t>
+                        <a:t>                                                      Matan Zofi (</a:t>
                       </a:r>
                       <a:r>
                         <a:rPr lang="he-IL" sz="5200" dirty="0">
@@ -3748,15 +3753,131 @@
           </a:bodyPr>
           <a:lstStyle/>
           <a:p>
-            <a:pPr algn="ctr"/>
-            <a:endParaRPr lang="en-US" sz="4000" dirty="0">
+            <a:pPr marR="0" indent="-342900">
+              <a:lnSpc>
+                <a:spcPct val="150000"/>
+              </a:lnSpc>
+              <a:spcBef>
+                <a:spcPts val="0"/>
+              </a:spcBef>
+              <a:spcAft>
+                <a:spcPts val="1000"/>
+              </a:spcAft>
+              <a:buSzPct val="100000"/>
+              <a:buFont typeface="Symbol" panose="05050102010706020507" pitchFamily="18" charset="2"/>
+              <a:buChar char=""/>
+            </a:pPr>
+            <a:endParaRPr lang="en-US" sz="3200" b="0" dirty="0">
               <a:solidFill>
-                <a:srgbClr val="000000"/>
+                <a:schemeClr val="accent2"/>
               </a:solidFill>
-              <a:latin typeface="+mj-lt"/>
-              <a:ea typeface="Times New Roman" panose="02020603050405020304" pitchFamily="18" charset="0"/>
-              <a:cs typeface="Calibri" panose="020F0502020204030204" pitchFamily="34" charset="0"/>
+              <a:effectLst/>
+              <a:latin typeface="Exo 2" panose="020B0604020202020204" charset="0"/>
+              <a:ea typeface="Calibri" panose="020F0502020204030204" pitchFamily="34" charset="0"/>
+              <a:cs typeface="Times New Roman" panose="02020603050405020304" pitchFamily="18" charset="0"/>
             </a:endParaRPr>
+          </a:p>
+          <a:p>
+            <a:pPr marR="0" indent="-342900">
+              <a:lnSpc>
+                <a:spcPct val="150000"/>
+              </a:lnSpc>
+              <a:spcBef>
+                <a:spcPts val="0"/>
+              </a:spcBef>
+              <a:spcAft>
+                <a:spcPts val="1000"/>
+              </a:spcAft>
+              <a:buSzPct val="100000"/>
+              <a:buFont typeface="Symbol" panose="05050102010706020507" pitchFamily="18" charset="2"/>
+              <a:buChar char=""/>
+            </a:pPr>
+            <a:endParaRPr lang="en-US" sz="3200" dirty="0">
+              <a:solidFill>
+                <a:schemeClr val="accent2"/>
+              </a:solidFill>
+              <a:latin typeface="Exo 2" panose="020B0604020202020204" charset="0"/>
+              <a:ea typeface="Calibri" panose="020F0502020204030204" pitchFamily="34" charset="0"/>
+              <a:cs typeface="Times New Roman" panose="02020603050405020304" pitchFamily="18" charset="0"/>
+            </a:endParaRPr>
+          </a:p>
+          <a:p>
+            <a:pPr marR="0" indent="-342900">
+              <a:lnSpc>
+                <a:spcPct val="150000"/>
+              </a:lnSpc>
+              <a:spcBef>
+                <a:spcPts val="0"/>
+              </a:spcBef>
+              <a:spcAft>
+                <a:spcPts val="1000"/>
+              </a:spcAft>
+              <a:buSzPct val="100000"/>
+              <a:buFont typeface="Symbol" panose="05050102010706020507" pitchFamily="18" charset="2"/>
+              <a:buChar char=""/>
+            </a:pPr>
+            <a:r>
+              <a:rPr lang="en-US" sz="3200" dirty="0">
+                <a:solidFill>
+                  <a:srgbClr val="000000"/>
+                </a:solidFill>
+                <a:latin typeface="+mj-lt"/>
+                <a:cs typeface="Calibri" panose="020F0502020204030204" pitchFamily="34" charset="0"/>
+              </a:rPr>
+              <a:t>An additional improvement possible for the application is to scrape a website or twitter page that displays the latest CVEs once a day and displaying them in the web in a new route. </a:t>
+            </a:r>
+          </a:p>
+          <a:p>
+            <a:pPr marR="0" indent="-342900">
+              <a:lnSpc>
+                <a:spcPct val="150000"/>
+              </a:lnSpc>
+              <a:spcBef>
+                <a:spcPts val="0"/>
+              </a:spcBef>
+              <a:spcAft>
+                <a:spcPts val="1000"/>
+              </a:spcAft>
+              <a:buSzPct val="100000"/>
+              <a:buFont typeface="Symbol" panose="05050102010706020507" pitchFamily="18" charset="2"/>
+              <a:buChar char=""/>
+            </a:pPr>
+            <a:r>
+              <a:rPr lang="en-US" sz="3200" dirty="0">
+                <a:solidFill>
+                  <a:srgbClr val="000000"/>
+                </a:solidFill>
+                <a:latin typeface="+mj-lt"/>
+                <a:cs typeface="Calibri" panose="020F0502020204030204" pitchFamily="34" charset="0"/>
+              </a:rPr>
+              <a:t>Adding features that include machine learning to improve the search function.</a:t>
+            </a:r>
+          </a:p>
+          <a:p>
+            <a:pPr marR="0" indent="-342900">
+              <a:lnSpc>
+                <a:spcPct val="150000"/>
+              </a:lnSpc>
+              <a:spcBef>
+                <a:spcPts val="0"/>
+              </a:spcBef>
+              <a:spcAft>
+                <a:spcPts val="1000"/>
+              </a:spcAft>
+              <a:buSzPct val="100000"/>
+              <a:buFont typeface="Symbol" panose="05050102010706020507" pitchFamily="18" charset="2"/>
+              <a:buChar char=""/>
+            </a:pPr>
+            <a:r>
+              <a:rPr lang="en-US" sz="3200" dirty="0">
+                <a:solidFill>
+                  <a:srgbClr val="000000"/>
+                </a:solidFill>
+                <a:latin typeface="+mj-lt"/>
+                <a:cs typeface="Calibri" panose="020F0502020204030204" pitchFamily="34" charset="0"/>
+              </a:rPr>
+              <a:t>Adding score to each result that indicates its credibility.</a:t>
+            </a:r>
           </a:p>
           <a:p>
             <a:pPr>
@@ -3764,7 +3885,7 @@
                 <a:spcPct val="170000"/>
               </a:lnSpc>
             </a:pPr>
-            <a:endParaRPr lang="en-US" sz="4400" dirty="0">
+            <a:endParaRPr lang="en-US" sz="3200" dirty="0">
               <a:solidFill>
                 <a:srgbClr val="000000"/>
               </a:solidFill>
@@ -3774,7 +3895,7 @@
           </a:p>
           <a:p>
             <a:pPr algn="ctr"/>
-            <a:endParaRPr lang="en-US" sz="4000" dirty="0">
+            <a:endParaRPr lang="en-US" sz="3200" dirty="0">
               <a:latin typeface="+mj-lt"/>
             </a:endParaRPr>
           </a:p>
@@ -4598,6 +4719,42 @@
           <a:xfrm>
             <a:off x="12210731" y="26837880"/>
             <a:ext cx="9994591" cy="4754817"/>
+          </a:xfrm>
+          <a:prstGeom prst="rect">
+            <a:avLst/>
+          </a:prstGeom>
+        </p:spPr>
+      </p:pic>
+      <p:pic>
+        <p:nvPicPr>
+          <p:cNvPr id="5" name="תמונה 4">
+            <a:extLst>
+              <a:ext uri="{FF2B5EF4-FFF2-40B4-BE49-F238E27FC236}">
+                <a16:creationId xmlns:a16="http://schemas.microsoft.com/office/drawing/2014/main" id="{780A43A6-7D94-412E-AB72-1454FAFABCCC}"/>
+              </a:ext>
+            </a:extLst>
+          </p:cNvPr>
+          <p:cNvPicPr>
+            <a:picLocks noChangeAspect="1"/>
+          </p:cNvPicPr>
+          <p:nvPr/>
+        </p:nvPicPr>
+        <p:blipFill>
+          <a:blip r:embed="rId9">
+            <a:extLst>
+              <a:ext uri="{28A0092B-C50C-407E-A947-70E740481C1C}">
+                <a14:useLocalDpi xmlns:a14="http://schemas.microsoft.com/office/drawing/2010/main" val="0"/>
+              </a:ext>
+            </a:extLst>
+          </a:blip>
+          <a:stretch>
+            <a:fillRect/>
+          </a:stretch>
+        </p:blipFill>
+        <p:spPr>
+          <a:xfrm>
+            <a:off x="6107336" y="5032649"/>
+            <a:ext cx="7360679" cy="3827470"/>
           </a:xfrm>
           <a:prstGeom prst="rect">
             <a:avLst/>
